--- a/_Presentations/07 Data-Structures-Efficiency.pptx
+++ b/_Presentations/07 Data-Structures-Efficiency.pptx
@@ -5,64 +5,63 @@
     <p:sldMasterId id="2147483660" r:id="rId1"/>
   </p:sldMasterIdLst>
   <p:notesMasterIdLst>
-    <p:notesMasterId r:id="rId15"/>
+    <p:notesMasterId r:id="rId14"/>
   </p:notesMasterIdLst>
   <p:sldIdLst>
-    <p:sldId id="320" r:id="rId2"/>
-    <p:sldId id="568" r:id="rId3"/>
-    <p:sldId id="569" r:id="rId4"/>
-    <p:sldId id="570" r:id="rId5"/>
-    <p:sldId id="571" r:id="rId6"/>
-    <p:sldId id="572" r:id="rId7"/>
-    <p:sldId id="573" r:id="rId8"/>
-    <p:sldId id="574" r:id="rId9"/>
-    <p:sldId id="575" r:id="rId10"/>
-    <p:sldId id="576" r:id="rId11"/>
-    <p:sldId id="580" r:id="rId12"/>
-    <p:sldId id="578" r:id="rId13"/>
-    <p:sldId id="579" r:id="rId14"/>
+    <p:sldId id="568" r:id="rId2"/>
+    <p:sldId id="569" r:id="rId3"/>
+    <p:sldId id="570" r:id="rId4"/>
+    <p:sldId id="571" r:id="rId5"/>
+    <p:sldId id="572" r:id="rId6"/>
+    <p:sldId id="573" r:id="rId7"/>
+    <p:sldId id="574" r:id="rId8"/>
+    <p:sldId id="575" r:id="rId9"/>
+    <p:sldId id="576" r:id="rId10"/>
+    <p:sldId id="580" r:id="rId11"/>
+    <p:sldId id="578" r:id="rId12"/>
+    <p:sldId id="579" r:id="rId13"/>
   </p:sldIdLst>
   <p:sldSz cx="12192000" cy="6858000"/>
   <p:notesSz cx="6858000" cy="9144000"/>
   <p:embeddedFontLst>
     <p:embeddedFont>
       <p:font typeface="Calibri" panose="020F0502020204030204" pitchFamily="34" charset="0"/>
-      <p:regular r:id="rId16"/>
-      <p:bold r:id="rId17"/>
-      <p:italic r:id="rId18"/>
-      <p:boldItalic r:id="rId19"/>
+      <p:regular r:id="rId15"/>
+      <p:bold r:id="rId16"/>
+      <p:italic r:id="rId17"/>
+      <p:boldItalic r:id="rId18"/>
     </p:embeddedFont>
     <p:embeddedFont>
       <p:font typeface="Consolas" panose="020B0609020204030204" pitchFamily="49" charset="0"/>
-      <p:regular r:id="rId20"/>
-      <p:bold r:id="rId21"/>
-      <p:italic r:id="rId22"/>
-      <p:boldItalic r:id="rId23"/>
+      <p:regular r:id="rId19"/>
+      <p:bold r:id="rId20"/>
+      <p:italic r:id="rId21"/>
+      <p:boldItalic r:id="rId22"/>
     </p:embeddedFont>
     <p:embeddedFont>
       <p:font typeface="Corbel" panose="020B0503020204020204" pitchFamily="34" charset="0"/>
-      <p:regular r:id="rId24"/>
-      <p:bold r:id="rId25"/>
-      <p:italic r:id="rId26"/>
-      <p:boldItalic r:id="rId27"/>
+      <p:regular r:id="rId23"/>
+      <p:bold r:id="rId24"/>
+      <p:italic r:id="rId25"/>
+      <p:boldItalic r:id="rId26"/>
     </p:embeddedFont>
     <p:embeddedFont>
       <p:font typeface="Lato" panose="020F0502020204030203" pitchFamily="34" charset="0"/>
-      <p:regular r:id="rId28"/>
-      <p:bold r:id="rId29"/>
-      <p:italic r:id="rId30"/>
-      <p:boldItalic r:id="rId31"/>
+      <p:regular r:id="rId27"/>
+      <p:bold r:id="rId28"/>
+      <p:italic r:id="rId29"/>
+      <p:boldItalic r:id="rId30"/>
     </p:embeddedFont>
     <p:embeddedFont>
       <p:font typeface="Montserrat" panose="00000500000000000000" pitchFamily="2" charset="-52"/>
-      <p:regular r:id="rId32"/>
-      <p:bold r:id="rId33"/>
-      <p:italic r:id="rId34"/>
-      <p:boldItalic r:id="rId35"/>
+      <p:regular r:id="rId31"/>
+      <p:bold r:id="rId32"/>
+      <p:italic r:id="rId33"/>
+      <p:boldItalic r:id="rId34"/>
     </p:embeddedFont>
     <p:embeddedFont>
       <p:font typeface="Wingdings 2" panose="05020102010507070707" pitchFamily="18" charset="2"/>
-      <p:regular r:id="rId36"/>
+      <p:regular r:id="rId35"/>
     </p:embeddedFont>
   </p:embeddedFontLst>
   <p:defaultTextStyle>
@@ -1591,91 +1590,6 @@
       </p:grpSpPr>
       <p:sp>
         <p:nvSpPr>
-          <p:cNvPr id="2" name="Slide Image Placeholder 1"/>
-          <p:cNvSpPr>
-            <a:spLocks noGrp="1" noRot="1" noChangeAspect="1"/>
-          </p:cNvSpPr>
-          <p:nvPr>
-            <p:ph type="sldImg"/>
-          </p:nvPr>
-        </p:nvSpPr>
-        <p:spPr/>
-      </p:sp>
-      <p:sp>
-        <p:nvSpPr>
-          <p:cNvPr id="3" name="Notes Placeholder 2"/>
-          <p:cNvSpPr>
-            <a:spLocks noGrp="1"/>
-          </p:cNvSpPr>
-          <p:nvPr>
-            <p:ph type="body" idx="1"/>
-          </p:nvPr>
-        </p:nvSpPr>
-        <p:spPr/>
-        <p:txBody>
-          <a:bodyPr/>
-          <a:lstStyle/>
-          <a:p>
-            <a:endParaRPr lang="en-US" dirty="0"/>
-          </a:p>
-        </p:txBody>
-      </p:sp>
-      <p:sp>
-        <p:nvSpPr>
-          <p:cNvPr id="4" name="Slide Number Placeholder 3"/>
-          <p:cNvSpPr>
-            <a:spLocks noGrp="1"/>
-          </p:cNvSpPr>
-          <p:nvPr>
-            <p:ph type="sldNum" sz="quarter" idx="10"/>
-          </p:nvPr>
-        </p:nvSpPr>
-        <p:spPr/>
-        <p:txBody>
-          <a:bodyPr/>
-          <a:lstStyle/>
-          <a:p>
-            <a:fld id="{6FB4F6EA-423E-42DF-9292-215E7D886C4E}" type="slidenum">
-              <a:rPr lang="en-US" smtClean="0"/>
-              <a:pPr/>
-              <a:t>2</a:t>
-            </a:fld>
-            <a:endParaRPr lang="en-US" dirty="0"/>
-          </a:p>
-        </p:txBody>
-      </p:sp>
-    </p:spTree>
-    <p:extLst>
-      <p:ext uri="{BB962C8B-B14F-4D97-AF65-F5344CB8AC3E}">
-        <p14:creationId xmlns:p14="http://schemas.microsoft.com/office/powerpoint/2010/main" val="2537776544"/>
-      </p:ext>
-    </p:extLst>
-  </p:cSld>
-  <p:clrMapOvr>
-    <a:masterClrMapping/>
-  </p:clrMapOvr>
-</p:notes>
-</file>
-
-<file path=ppt/notesSlides/notesSlide3.xml><?xml version="1.0" encoding="utf-8"?>
-<p:notes xmlns:a="http://schemas.openxmlformats.org/drawingml/2006/main" xmlns:r="http://schemas.openxmlformats.org/officeDocument/2006/relationships" xmlns:p="http://schemas.openxmlformats.org/presentationml/2006/main">
-  <p:cSld>
-    <p:spTree>
-      <p:nvGrpSpPr>
-        <p:cNvPr id="1" name=""/>
-        <p:cNvGrpSpPr/>
-        <p:nvPr/>
-      </p:nvGrpSpPr>
-      <p:grpSpPr>
-        <a:xfrm>
-          <a:off x="0" y="0"/>
-          <a:ext cx="0" cy="0"/>
-          <a:chOff x="0" y="0"/>
-          <a:chExt cx="0" cy="0"/>
-        </a:xfrm>
-      </p:grpSpPr>
-      <p:sp>
-        <p:nvSpPr>
           <p:cNvPr id="4" name="Rectangle 2"/>
           <p:cNvSpPr>
             <a:spLocks noGrp="1" noChangeArrowheads="1"/>
@@ -1742,7 +1656,7 @@
             <a:fld id="{0F7D17C0-77A7-41A6-8856-C39B72C6C7EC}" type="slidenum">
               <a:rPr lang="en-US"/>
               <a:pPr/>
-              <a:t>3</a:t>
+              <a:t>2</a:t>
             </a:fld>
             <a:r>
               <a:rPr lang="en-US" dirty="0"/>
@@ -1797,7 +1711,7 @@
 </p:notes>
 </file>
 
-<file path=ppt/notesSlides/notesSlide4.xml><?xml version="1.0" encoding="utf-8"?>
+<file path=ppt/notesSlides/notesSlide3.xml><?xml version="1.0" encoding="utf-8"?>
 <p:notes xmlns:a="http://schemas.openxmlformats.org/drawingml/2006/main" xmlns:r="http://schemas.openxmlformats.org/officeDocument/2006/relationships" xmlns:p="http://schemas.openxmlformats.org/presentationml/2006/main">
   <p:cSld>
     <p:spTree>
@@ -1858,7 +1772,7 @@
             <a:fld id="{52E3DB46-C682-4CC7-81DB-EFB10F12DED0}" type="slidenum">
               <a:rPr lang="en-US"/>
               <a:pPr/>
-              <a:t>4</a:t>
+              <a:t>3</a:t>
             </a:fld>
             <a:r>
               <a:rPr lang="en-US" dirty="0"/>
@@ -1913,7 +1827,7 @@
 </p:notes>
 </file>
 
-<file path=ppt/notesSlides/notesSlide5.xml><?xml version="1.0" encoding="utf-8"?>
+<file path=ppt/notesSlides/notesSlide4.xml><?xml version="1.0" encoding="utf-8"?>
 <p:notes xmlns:a="http://schemas.openxmlformats.org/drawingml/2006/main" xmlns:r="http://schemas.openxmlformats.org/officeDocument/2006/relationships" xmlns:p="http://schemas.openxmlformats.org/presentationml/2006/main">
   <p:cSld>
     <p:spTree>
@@ -1998,7 +1912,7 @@
             <a:fld id="{17B13CC9-8B44-4623-8907-D163D76092B5}" type="slidenum">
               <a:rPr lang="en-US"/>
               <a:pPr/>
-              <a:t>10</a:t>
+              <a:t>9</a:t>
             </a:fld>
             <a:r>
               <a:rPr lang="en-US" dirty="0"/>
@@ -11340,7 +11254,7 @@
           <a:p>
             <a:r>
               <a:rPr lang="en-US" dirty="0"/>
-              <a:t>Advanced Data Structures</a:t>
+              <a:t>Data Structures Efficiency</a:t>
             </a:r>
           </a:p>
         </p:txBody>
@@ -11362,18 +11276,14 @@
           <a:p>
             <a:r>
               <a:rPr lang="en-US" dirty="0"/>
-              <a:t>Wintellect Power Collections, C</a:t>
+              <a:t>Computational Complexity of Fundamental</a:t>
             </a:r>
-            <a:r>
-              <a:rPr lang="en-US" dirty="0">
-                <a:latin typeface="Consolas" panose="020B0609020204030204" pitchFamily="49" charset="0"/>
-                <a:cs typeface="Consolas" panose="020B0609020204030204" pitchFamily="49" charset="0"/>
-              </a:rPr>
-              <a:t>5</a:t>
-            </a:r>
+            <a:br>
+              <a:rPr lang="en-US" dirty="0"/>
+            </a:br>
             <a:r>
               <a:rPr lang="en-US" dirty="0"/>
-              <a:t> Collections</a:t>
+              <a:t>Data Structures, Choosing a Data Structure</a:t>
             </a:r>
           </a:p>
         </p:txBody>
@@ -11403,201 +11313,6 @@
           <a:chExt cx="0" cy="0"/>
         </a:xfrm>
       </p:grpSpPr>
-      <p:sp>
-        <p:nvSpPr>
-          <p:cNvPr id="434178" name="Rectangle 2"/>
-          <p:cNvSpPr>
-            <a:spLocks noGrp="1" noChangeArrowheads="1"/>
-          </p:cNvSpPr>
-          <p:nvPr>
-            <p:ph type="title"/>
-          </p:nvPr>
-        </p:nvSpPr>
-        <p:spPr/>
-        <p:txBody>
-          <a:bodyPr/>
-          <a:lstStyle/>
-          <a:p>
-            <a:r>
-              <a:rPr lang="en-US"/>
-              <a:t>Summary</a:t>
-            </a:r>
-            <a:endParaRPr lang="bg-BG"/>
-          </a:p>
-        </p:txBody>
-      </p:sp>
-      <p:sp>
-        <p:nvSpPr>
-          <p:cNvPr id="434179" name="Rectangle 3"/>
-          <p:cNvSpPr>
-            <a:spLocks noGrp="1" noChangeArrowheads="1"/>
-          </p:cNvSpPr>
-          <p:nvPr>
-            <p:ph type="body" idx="1"/>
-          </p:nvPr>
-        </p:nvSpPr>
-        <p:spPr>
-          <a:xfrm>
-            <a:off x="1730000" y="1420238"/>
-            <a:ext cx="9385200" cy="4797384"/>
-          </a:xfrm>
-        </p:spPr>
-        <p:txBody>
-          <a:bodyPr/>
-          <a:lstStyle/>
-          <a:p>
-            <a:pPr>
-              <a:lnSpc>
-                <a:spcPts val="3600"/>
-              </a:lnSpc>
-            </a:pPr>
-            <a:r>
-              <a:rPr lang="en-US" sz="1600" dirty="0">
-                <a:solidFill>
-                  <a:schemeClr val="accent5">
-                    <a:lumMod val="20000"/>
-                    <a:lumOff val="80000"/>
-                  </a:schemeClr>
-                </a:solidFill>
-              </a:rPr>
-              <a:t>Algorithm complexity</a:t>
-            </a:r>
-            <a:r>
-              <a:rPr lang="en-US" sz="1600" dirty="0"/>
-              <a:t> is rough estimation of the number of steps performed by given computation</a:t>
-            </a:r>
-          </a:p>
-          <a:p>
-            <a:pPr lvl="1">
-              <a:lnSpc>
-                <a:spcPts val="3600"/>
-              </a:lnSpc>
-            </a:pPr>
-            <a:r>
-              <a:rPr lang="en-US" sz="1600" dirty="0"/>
-              <a:t>Complexity can be logarithmic, linear, n log n, square, cubic, exponential, etc.</a:t>
-            </a:r>
-          </a:p>
-          <a:p>
-            <a:pPr lvl="1">
-              <a:lnSpc>
-                <a:spcPts val="3600"/>
-              </a:lnSpc>
-            </a:pPr>
-            <a:r>
-              <a:rPr lang="en-US" sz="1600" dirty="0"/>
-              <a:t>Allows to estimating the speed of given code before its execution</a:t>
-            </a:r>
-          </a:p>
-          <a:p>
-            <a:pPr>
-              <a:lnSpc>
-                <a:spcPts val="3600"/>
-              </a:lnSpc>
-            </a:pPr>
-            <a:endParaRPr lang="en-US" sz="1600" dirty="0"/>
-          </a:p>
-          <a:p>
-            <a:pPr>
-              <a:lnSpc>
-                <a:spcPts val="3600"/>
-              </a:lnSpc>
-            </a:pPr>
-            <a:r>
-              <a:rPr lang="en-US" sz="1600" dirty="0"/>
-              <a:t>Different data structures have different efficiency on different operations</a:t>
-            </a:r>
-          </a:p>
-          <a:p>
-            <a:pPr lvl="1">
-              <a:lnSpc>
-                <a:spcPts val="3600"/>
-              </a:lnSpc>
-            </a:pPr>
-            <a:r>
-              <a:rPr lang="en-US" sz="1600" dirty="0"/>
-              <a:t>The fastest add / find / delete structure is the hash table – </a:t>
-            </a:r>
-            <a:r>
-              <a:rPr lang="en-US" sz="1600" dirty="0">
-                <a:solidFill>
-                  <a:schemeClr val="accent5">
-                    <a:lumMod val="20000"/>
-                    <a:lumOff val="80000"/>
-                  </a:schemeClr>
-                </a:solidFill>
-                <a:latin typeface="Consolas" pitchFamily="49" charset="0"/>
-                <a:cs typeface="Consolas" pitchFamily="49" charset="0"/>
-              </a:rPr>
-              <a:t>O(1)</a:t>
-            </a:r>
-            <a:r>
-              <a:rPr lang="en-US" sz="1600" dirty="0"/>
-              <a:t> for all these operations</a:t>
-            </a:r>
-          </a:p>
-        </p:txBody>
-      </p:sp>
-      <p:sp>
-        <p:nvSpPr>
-          <p:cNvPr id="4" name="Slide Number Placeholder 3"/>
-          <p:cNvSpPr>
-            <a:spLocks noGrp="1"/>
-          </p:cNvSpPr>
-          <p:nvPr>
-            <p:ph type="sldNum" idx="12"/>
-          </p:nvPr>
-        </p:nvSpPr>
-        <p:spPr/>
-        <p:txBody>
-          <a:bodyPr/>
-          <a:lstStyle/>
-          <a:p>
-            <a:pPr>
-              <a:defRPr/>
-            </a:pPr>
-            <a:fld id="{58452FF4-89E3-4D1B-9927-2DBDC00E58D7}" type="slidenum">
-              <a:rPr lang="en-US" smtClean="0"/>
-              <a:pPr>
-                <a:defRPr/>
-              </a:pPr>
-              <a:t>10</a:t>
-            </a:fld>
-            <a:endParaRPr lang="en-US" dirty="0"/>
-          </a:p>
-        </p:txBody>
-      </p:sp>
-    </p:spTree>
-    <p:extLst>
-      <p:ext uri="{BB962C8B-B14F-4D97-AF65-F5344CB8AC3E}">
-        <p14:creationId xmlns:p14="http://schemas.microsoft.com/office/powerpoint/2010/main" val="4117034015"/>
-      </p:ext>
-    </p:extLst>
-  </p:cSld>
-  <p:clrMapOvr>
-    <a:masterClrMapping/>
-  </p:clrMapOvr>
-  <p:transition/>
-</p:sld>
-</file>
-
-<file path=ppt/slides/slide11.xml><?xml version="1.0" encoding="utf-8"?>
-<p:sld xmlns:a="http://schemas.openxmlformats.org/drawingml/2006/main" xmlns:r="http://schemas.openxmlformats.org/officeDocument/2006/relationships" xmlns:p="http://schemas.openxmlformats.org/presentationml/2006/main">
-  <p:cSld>
-    <p:spTree>
-      <p:nvGrpSpPr>
-        <p:cNvPr id="1" name=""/>
-        <p:cNvGrpSpPr/>
-        <p:nvPr/>
-      </p:nvGrpSpPr>
-      <p:grpSpPr>
-        <a:xfrm>
-          <a:off x="0" y="0"/>
-          <a:ext cx="0" cy="0"/>
-          <a:chOff x="0" y="0"/>
-          <a:chExt cx="0" cy="0"/>
-        </a:xfrm>
-      </p:grpSpPr>
     </p:spTree>
     <p:extLst>
       <p:ext uri="{BB962C8B-B14F-4D97-AF65-F5344CB8AC3E}">
@@ -11611,7 +11326,7 @@
 </p:sld>
 </file>
 
-<file path=ppt/slides/slide12.xml><?xml version="1.0" encoding="utf-8"?>
+<file path=ppt/slides/slide11.xml><?xml version="1.0" encoding="utf-8"?>
 <p:sld xmlns:a="http://schemas.openxmlformats.org/drawingml/2006/main" xmlns:r="http://schemas.openxmlformats.org/officeDocument/2006/relationships" xmlns:p="http://schemas.openxmlformats.org/presentationml/2006/main">
   <p:cSld>
     <p:spTree>
@@ -11849,7 +11564,7 @@
               <a:pPr>
                 <a:defRPr/>
               </a:pPr>
-              <a:t>12</a:t>
+              <a:t>11</a:t>
             </a:fld>
             <a:endParaRPr lang="en-US" dirty="0"/>
           </a:p>
@@ -12198,7 +11913,7 @@
 </p:sld>
 </file>
 
-<file path=ppt/slides/slide13.xml><?xml version="1.0" encoding="utf-8"?>
+<file path=ppt/slides/slide12.xml><?xml version="1.0" encoding="utf-8"?>
 <p:sld xmlns:a="http://schemas.openxmlformats.org/drawingml/2006/main" xmlns:r="http://schemas.openxmlformats.org/officeDocument/2006/relationships" xmlns:p="http://schemas.openxmlformats.org/presentationml/2006/main">
   <p:cSld>
     <p:spTree>
@@ -12503,7 +12218,7 @@
               <a:pPr>
                 <a:defRPr/>
               </a:pPr>
-              <a:t>13</a:t>
+              <a:t>12</a:t>
             </a:fld>
             <a:endParaRPr lang="en-US" dirty="0"/>
           </a:p>
@@ -12523,146 +12238,6 @@
 </file>
 
 <file path=ppt/slides/slide2.xml><?xml version="1.0" encoding="utf-8"?>
-<p:sld xmlns:a="http://schemas.openxmlformats.org/drawingml/2006/main" xmlns:r="http://schemas.openxmlformats.org/officeDocument/2006/relationships" xmlns:p="http://schemas.openxmlformats.org/presentationml/2006/main">
-  <p:cSld>
-    <p:spTree>
-      <p:nvGrpSpPr>
-        <p:cNvPr id="1" name=""/>
-        <p:cNvGrpSpPr/>
-        <p:nvPr/>
-      </p:nvGrpSpPr>
-      <p:grpSpPr>
-        <a:xfrm>
-          <a:off x="0" y="0"/>
-          <a:ext cx="0" cy="0"/>
-          <a:chOff x="0" y="0"/>
-          <a:chExt cx="0" cy="0"/>
-        </a:xfrm>
-      </p:grpSpPr>
-      <p:pic>
-        <p:nvPicPr>
-          <p:cNvPr id="17" name="Picture 5"/>
-          <p:cNvPicPr>
-            <a:picLocks noChangeAspect="1" noChangeArrowheads="1"/>
-          </p:cNvPicPr>
-          <p:nvPr/>
-        </p:nvPicPr>
-        <p:blipFill>
-          <a:blip r:embed="rId3">
-            <a:extLst>
-              <a:ext uri="{28A0092B-C50C-407E-A947-70E740481C1C}">
-                <a14:useLocalDpi xmlns:a14="http://schemas.microsoft.com/office/drawing/2010/main"/>
-              </a:ext>
-            </a:extLst>
-          </a:blip>
-          <a:srcRect/>
-          <a:stretch>
-            <a:fillRect/>
-          </a:stretch>
-        </p:blipFill>
-        <p:spPr bwMode="auto">
-          <a:xfrm rot="414227">
-            <a:off x="3444272" y="466350"/>
-            <a:ext cx="1476780" cy="1611030"/>
-          </a:xfrm>
-          <a:prstGeom prst="rect">
-            <a:avLst/>
-          </a:prstGeom>
-          <a:noFill/>
-          <a:ln>
-            <a:noFill/>
-          </a:ln>
-          <a:effectLst/>
-          <a:extLst>
-            <a:ext uri="{909E8E84-426E-40DD-AFC4-6F175D3DCCD1}">
-              <a14:hiddenFill xmlns:a14="http://schemas.microsoft.com/office/drawing/2010/main">
-                <a:solidFill>
-                  <a:schemeClr val="accent1"/>
-                </a:solidFill>
-              </a14:hiddenFill>
-            </a:ext>
-            <a:ext uri="{91240B29-F687-4F45-9708-019B960494DF}">
-              <a14:hiddenLine xmlns:a14="http://schemas.microsoft.com/office/drawing/2010/main" w="9525">
-                <a:solidFill>
-                  <a:schemeClr val="tx1"/>
-                </a:solidFill>
-                <a:miter lim="800000"/>
-                <a:headEnd/>
-                <a:tailEnd/>
-              </a14:hiddenLine>
-            </a:ext>
-            <a:ext uri="{AF507438-7753-43E0-B8FC-AC1667EBCBE1}">
-              <a14:hiddenEffects xmlns:a14="http://schemas.microsoft.com/office/drawing/2010/main">
-                <a:effectLst>
-                  <a:outerShdw dist="35921" dir="2700000" algn="ctr" rotWithShape="0">
-                    <a:schemeClr val="bg2"/>
-                  </a:outerShdw>
-                </a:effectLst>
-              </a14:hiddenEffects>
-            </a:ext>
-          </a:extLst>
-        </p:spPr>
-      </p:pic>
-      <p:sp>
-        <p:nvSpPr>
-          <p:cNvPr id="5" name="Title 4"/>
-          <p:cNvSpPr>
-            <a:spLocks noGrp="1"/>
-          </p:cNvSpPr>
-          <p:nvPr>
-            <p:ph type="ctrTitle"/>
-          </p:nvPr>
-        </p:nvSpPr>
-        <p:spPr/>
-        <p:txBody>
-          <a:bodyPr/>
-          <a:lstStyle/>
-          <a:p>
-            <a:r>
-              <a:rPr lang="en-US" dirty="0"/>
-              <a:t>Data Structures Efficiency</a:t>
-            </a:r>
-          </a:p>
-        </p:txBody>
-      </p:sp>
-      <p:sp>
-        <p:nvSpPr>
-          <p:cNvPr id="7" name="Subtitle 6"/>
-          <p:cNvSpPr>
-            <a:spLocks noGrp="1"/>
-          </p:cNvSpPr>
-          <p:nvPr>
-            <p:ph type="subTitle" idx="1"/>
-          </p:nvPr>
-        </p:nvSpPr>
-        <p:spPr/>
-        <p:txBody>
-          <a:bodyPr/>
-          <a:lstStyle/>
-          <a:p>
-            <a:r>
-              <a:rPr lang="en-US" dirty="0"/>
-              <a:t>Computational Complexity of Fundamental</a:t>
-            </a:r>
-            <a:br>
-              <a:rPr lang="en-US" dirty="0"/>
-            </a:br>
-            <a:r>
-              <a:rPr lang="en-US" dirty="0"/>
-              <a:t>Data Structures, Choosing a Data Structure</a:t>
-            </a:r>
-          </a:p>
-        </p:txBody>
-      </p:sp>
-    </p:spTree>
-  </p:cSld>
-  <p:clrMapOvr>
-    <a:masterClrMapping/>
-  </p:clrMapOvr>
-</p:sld>
-</file>
-
-<file path=ppt/slides/slide3.xml><?xml version="1.0" encoding="utf-8"?>
 <p:sld xmlns:a="http://schemas.openxmlformats.org/drawingml/2006/main" xmlns:r="http://schemas.openxmlformats.org/officeDocument/2006/relationships" xmlns:p="http://schemas.openxmlformats.org/presentationml/2006/main">
   <p:cSld>
     <p:spTree>
@@ -12846,7 +12421,7 @@
               <a:pPr>
                 <a:defRPr/>
               </a:pPr>
-              <a:t>3</a:t>
+              <a:t>2</a:t>
             </a:fld>
             <a:endParaRPr lang="en-US" dirty="0"/>
           </a:p>
@@ -12866,7 +12441,7 @@
 </p:sld>
 </file>
 
-<file path=ppt/slides/slide4.xml><?xml version="1.0" encoding="utf-8"?>
+<file path=ppt/slides/slide3.xml><?xml version="1.0" encoding="utf-8"?>
 <p:sld xmlns:a="http://schemas.openxmlformats.org/drawingml/2006/main" xmlns:r="http://schemas.openxmlformats.org/officeDocument/2006/relationships" xmlns:p="http://schemas.openxmlformats.org/presentationml/2006/main">
   <p:cSld>
     <p:spTree>
@@ -12947,7 +12522,7 @@
 </p:sld>
 </file>
 
-<file path=ppt/slides/slide5.xml><?xml version="1.0" encoding="utf-8"?>
+<file path=ppt/slides/slide4.xml><?xml version="1.0" encoding="utf-8"?>
 <p:sld xmlns:a="http://schemas.openxmlformats.org/drawingml/2006/main" xmlns:r="http://schemas.openxmlformats.org/officeDocument/2006/relationships" xmlns:p="http://schemas.openxmlformats.org/presentationml/2006/main">
   <p:cSld>
     <p:spTree>
@@ -13009,7 +12584,7 @@
               <a:pPr>
                 <a:defRPr/>
               </a:pPr>
-              <a:t>5</a:t>
+              <a:t>4</a:t>
             </a:fld>
             <a:endParaRPr lang="en-US" dirty="0"/>
           </a:p>
@@ -16886,7 +16461,7 @@
 </p:sld>
 </file>
 
-<file path=ppt/slides/slide6.xml><?xml version="1.0" encoding="utf-8"?>
+<file path=ppt/slides/slide5.xml><?xml version="1.0" encoding="utf-8"?>
 <p:sld xmlns:a="http://schemas.openxmlformats.org/drawingml/2006/main" xmlns:r="http://schemas.openxmlformats.org/officeDocument/2006/relationships" xmlns:p="http://schemas.openxmlformats.org/presentationml/2006/main">
   <p:cSld>
     <p:spTree>
@@ -16953,7 +16528,7 @@
               <a:pPr>
                 <a:defRPr/>
               </a:pPr>
-              <a:t>6</a:t>
+              <a:t>5</a:t>
             </a:fld>
             <a:endParaRPr lang="en-US" dirty="0"/>
           </a:p>
@@ -20602,7 +20177,7 @@
 </p:sld>
 </file>
 
-<file path=ppt/slides/slide7.xml><?xml version="1.0" encoding="utf-8"?>
+<file path=ppt/slides/slide6.xml><?xml version="1.0" encoding="utf-8"?>
 <p:sld xmlns:a="http://schemas.openxmlformats.org/drawingml/2006/main" xmlns:r="http://schemas.openxmlformats.org/officeDocument/2006/relationships" xmlns:p="http://schemas.openxmlformats.org/presentationml/2006/main">
   <p:cSld>
     <p:spTree>
@@ -20846,7 +20421,7 @@
               <a:pPr>
                 <a:defRPr/>
               </a:pPr>
-              <a:t>7</a:t>
+              <a:t>6</a:t>
             </a:fld>
             <a:endParaRPr lang="en-US" dirty="0"/>
           </a:p>
@@ -20865,7 +20440,7 @@
 </p:sld>
 </file>
 
-<file path=ppt/slides/slide8.xml><?xml version="1.0" encoding="utf-8"?>
+<file path=ppt/slides/slide7.xml><?xml version="1.0" encoding="utf-8"?>
 <p:sld xmlns:a="http://schemas.openxmlformats.org/drawingml/2006/main" xmlns:r="http://schemas.openxmlformats.org/officeDocument/2006/relationships" xmlns:p="http://schemas.openxmlformats.org/presentationml/2006/main">
   <p:cSld>
     <p:spTree>
@@ -21151,7 +20726,7 @@
               <a:pPr>
                 <a:defRPr/>
               </a:pPr>
-              <a:t>8</a:t>
+              <a:t>7</a:t>
             </a:fld>
             <a:endParaRPr lang="en-US" dirty="0"/>
           </a:p>
@@ -21170,7 +20745,7 @@
 </p:sld>
 </file>
 
-<file path=ppt/slides/slide9.xml><?xml version="1.0" encoding="utf-8"?>
+<file path=ppt/slides/slide8.xml><?xml version="1.0" encoding="utf-8"?>
 <p:sld xmlns:a="http://schemas.openxmlformats.org/drawingml/2006/main" xmlns:r="http://schemas.openxmlformats.org/officeDocument/2006/relationships" xmlns:p="http://schemas.openxmlformats.org/presentationml/2006/main">
   <p:cSld>
     <p:spTree>
@@ -21424,7 +20999,7 @@
               <a:pPr>
                 <a:defRPr/>
               </a:pPr>
-              <a:t>9</a:t>
+              <a:t>8</a:t>
             </a:fld>
             <a:endParaRPr lang="en-US" dirty="0"/>
           </a:p>
@@ -21440,6 +21015,201 @@
   <p:clrMapOvr>
     <a:masterClrMapping/>
   </p:clrMapOvr>
+</p:sld>
+</file>
+
+<file path=ppt/slides/slide9.xml><?xml version="1.0" encoding="utf-8"?>
+<p:sld xmlns:a="http://schemas.openxmlformats.org/drawingml/2006/main" xmlns:r="http://schemas.openxmlformats.org/officeDocument/2006/relationships" xmlns:p="http://schemas.openxmlformats.org/presentationml/2006/main">
+  <p:cSld>
+    <p:spTree>
+      <p:nvGrpSpPr>
+        <p:cNvPr id="1" name=""/>
+        <p:cNvGrpSpPr/>
+        <p:nvPr/>
+      </p:nvGrpSpPr>
+      <p:grpSpPr>
+        <a:xfrm>
+          <a:off x="0" y="0"/>
+          <a:ext cx="0" cy="0"/>
+          <a:chOff x="0" y="0"/>
+          <a:chExt cx="0" cy="0"/>
+        </a:xfrm>
+      </p:grpSpPr>
+      <p:sp>
+        <p:nvSpPr>
+          <p:cNvPr id="434178" name="Rectangle 2"/>
+          <p:cNvSpPr>
+            <a:spLocks noGrp="1" noChangeArrowheads="1"/>
+          </p:cNvSpPr>
+          <p:nvPr>
+            <p:ph type="title"/>
+          </p:nvPr>
+        </p:nvSpPr>
+        <p:spPr/>
+        <p:txBody>
+          <a:bodyPr/>
+          <a:lstStyle/>
+          <a:p>
+            <a:r>
+              <a:rPr lang="en-US"/>
+              <a:t>Summary</a:t>
+            </a:r>
+            <a:endParaRPr lang="bg-BG"/>
+          </a:p>
+        </p:txBody>
+      </p:sp>
+      <p:sp>
+        <p:nvSpPr>
+          <p:cNvPr id="434179" name="Rectangle 3"/>
+          <p:cNvSpPr>
+            <a:spLocks noGrp="1" noChangeArrowheads="1"/>
+          </p:cNvSpPr>
+          <p:nvPr>
+            <p:ph type="body" idx="1"/>
+          </p:nvPr>
+        </p:nvSpPr>
+        <p:spPr>
+          <a:xfrm>
+            <a:off x="1730000" y="1420238"/>
+            <a:ext cx="9385200" cy="4797384"/>
+          </a:xfrm>
+        </p:spPr>
+        <p:txBody>
+          <a:bodyPr/>
+          <a:lstStyle/>
+          <a:p>
+            <a:pPr>
+              <a:lnSpc>
+                <a:spcPts val="3600"/>
+              </a:lnSpc>
+            </a:pPr>
+            <a:r>
+              <a:rPr lang="en-US" sz="1600" dirty="0">
+                <a:solidFill>
+                  <a:schemeClr val="accent5">
+                    <a:lumMod val="20000"/>
+                    <a:lumOff val="80000"/>
+                  </a:schemeClr>
+                </a:solidFill>
+              </a:rPr>
+              <a:t>Algorithm complexity</a:t>
+            </a:r>
+            <a:r>
+              <a:rPr lang="en-US" sz="1600" dirty="0"/>
+              <a:t> is rough estimation of the number of steps performed by given computation</a:t>
+            </a:r>
+          </a:p>
+          <a:p>
+            <a:pPr lvl="1">
+              <a:lnSpc>
+                <a:spcPts val="3600"/>
+              </a:lnSpc>
+            </a:pPr>
+            <a:r>
+              <a:rPr lang="en-US" sz="1600" dirty="0"/>
+              <a:t>Complexity can be logarithmic, linear, n log n, square, cubic, exponential, etc.</a:t>
+            </a:r>
+          </a:p>
+          <a:p>
+            <a:pPr lvl="1">
+              <a:lnSpc>
+                <a:spcPts val="3600"/>
+              </a:lnSpc>
+            </a:pPr>
+            <a:r>
+              <a:rPr lang="en-US" sz="1600" dirty="0"/>
+              <a:t>Allows to estimating the speed of given code before its execution</a:t>
+            </a:r>
+          </a:p>
+          <a:p>
+            <a:pPr>
+              <a:lnSpc>
+                <a:spcPts val="3600"/>
+              </a:lnSpc>
+            </a:pPr>
+            <a:endParaRPr lang="en-US" sz="1600" dirty="0"/>
+          </a:p>
+          <a:p>
+            <a:pPr>
+              <a:lnSpc>
+                <a:spcPts val="3600"/>
+              </a:lnSpc>
+            </a:pPr>
+            <a:r>
+              <a:rPr lang="en-US" sz="1600" dirty="0"/>
+              <a:t>Different data structures have different efficiency on different operations</a:t>
+            </a:r>
+          </a:p>
+          <a:p>
+            <a:pPr lvl="1">
+              <a:lnSpc>
+                <a:spcPts val="3600"/>
+              </a:lnSpc>
+            </a:pPr>
+            <a:r>
+              <a:rPr lang="en-US" sz="1600" dirty="0"/>
+              <a:t>The fastest add / find / delete structure is the hash table – </a:t>
+            </a:r>
+            <a:r>
+              <a:rPr lang="en-US" sz="1600" dirty="0">
+                <a:solidFill>
+                  <a:schemeClr val="accent5">
+                    <a:lumMod val="20000"/>
+                    <a:lumOff val="80000"/>
+                  </a:schemeClr>
+                </a:solidFill>
+                <a:latin typeface="Consolas" pitchFamily="49" charset="0"/>
+                <a:cs typeface="Consolas" pitchFamily="49" charset="0"/>
+              </a:rPr>
+              <a:t>O(1)</a:t>
+            </a:r>
+            <a:r>
+              <a:rPr lang="en-US" sz="1600" dirty="0"/>
+              <a:t> for all these operations</a:t>
+            </a:r>
+          </a:p>
+        </p:txBody>
+      </p:sp>
+      <p:sp>
+        <p:nvSpPr>
+          <p:cNvPr id="4" name="Slide Number Placeholder 3"/>
+          <p:cNvSpPr>
+            <a:spLocks noGrp="1"/>
+          </p:cNvSpPr>
+          <p:nvPr>
+            <p:ph type="sldNum" idx="12"/>
+          </p:nvPr>
+        </p:nvSpPr>
+        <p:spPr/>
+        <p:txBody>
+          <a:bodyPr/>
+          <a:lstStyle/>
+          <a:p>
+            <a:pPr>
+              <a:defRPr/>
+            </a:pPr>
+            <a:fld id="{58452FF4-89E3-4D1B-9927-2DBDC00E58D7}" type="slidenum">
+              <a:rPr lang="en-US" smtClean="0"/>
+              <a:pPr>
+                <a:defRPr/>
+              </a:pPr>
+              <a:t>9</a:t>
+            </a:fld>
+            <a:endParaRPr lang="en-US" dirty="0"/>
+          </a:p>
+        </p:txBody>
+      </p:sp>
+    </p:spTree>
+    <p:extLst>
+      <p:ext uri="{BB962C8B-B14F-4D97-AF65-F5344CB8AC3E}">
+        <p14:creationId xmlns:p14="http://schemas.microsoft.com/office/powerpoint/2010/main" val="4117034015"/>
+      </p:ext>
+    </p:extLst>
+  </p:cSld>
+  <p:clrMapOvr>
+    <a:masterClrMapping/>
+  </p:clrMapOvr>
+  <p:transition/>
 </p:sld>
 </file>
 

--- a/_Presentations/07 Data-Structures-Efficiency.pptx
+++ b/_Presentations/07 Data-Structures-Efficiency.pptx
@@ -12539,70 +12539,6 @@
           <a:chExt cx="0" cy="0"/>
         </a:xfrm>
       </p:grpSpPr>
-      <p:pic>
-        <p:nvPicPr>
-          <p:cNvPr id="17" name="Picture 5"/>
-          <p:cNvPicPr>
-            <a:picLocks noChangeAspect="1" noChangeArrowheads="1"/>
-          </p:cNvPicPr>
-          <p:nvPr/>
-        </p:nvPicPr>
-        <p:blipFill>
-          <a:blip r:embed="rId3">
-            <a:extLst>
-              <a:ext uri="{28A0092B-C50C-407E-A947-70E740481C1C}">
-                <a14:useLocalDpi xmlns:a14="http://schemas.microsoft.com/office/drawing/2010/main"/>
-              </a:ext>
-            </a:extLst>
-          </a:blip>
-          <a:srcRect/>
-          <a:stretch>
-            <a:fillRect/>
-          </a:stretch>
-        </p:blipFill>
-        <p:spPr bwMode="auto">
-          <a:xfrm rot="414227">
-            <a:off x="3444272" y="466350"/>
-            <a:ext cx="1476780" cy="1611030"/>
-          </a:xfrm>
-          <a:prstGeom prst="rect">
-            <a:avLst/>
-          </a:prstGeom>
-          <a:noFill/>
-          <a:ln>
-            <a:noFill/>
-          </a:ln>
-          <a:effectLst/>
-          <a:extLst>
-            <a:ext uri="{909E8E84-426E-40DD-AFC4-6F175D3DCCD1}">
-              <a14:hiddenFill xmlns:a14="http://schemas.microsoft.com/office/drawing/2010/main">
-                <a:solidFill>
-                  <a:schemeClr val="accent1"/>
-                </a:solidFill>
-              </a14:hiddenFill>
-            </a:ext>
-            <a:ext uri="{91240B29-F687-4F45-9708-019B960494DF}">
-              <a14:hiddenLine xmlns:a14="http://schemas.microsoft.com/office/drawing/2010/main" w="9525">
-                <a:solidFill>
-                  <a:schemeClr val="tx1"/>
-                </a:solidFill>
-                <a:miter lim="800000"/>
-                <a:headEnd/>
-                <a:tailEnd/>
-              </a14:hiddenLine>
-            </a:ext>
-            <a:ext uri="{AF507438-7753-43E0-B8FC-AC1667EBCBE1}">
-              <a14:hiddenEffects xmlns:a14="http://schemas.microsoft.com/office/drawing/2010/main">
-                <a:effectLst>
-                  <a:outerShdw dist="35921" dir="2700000" algn="ctr" rotWithShape="0">
-                    <a:schemeClr val="bg2"/>
-                  </a:outerShdw>
-                </a:effectLst>
-              </a14:hiddenEffects>
-            </a:ext>
-          </a:extLst>
-        </p:spPr>
-      </p:pic>
       <p:sp>
         <p:nvSpPr>
           <p:cNvPr id="5" name="Title 4"/>
